--- a/20231210_ISO25030 品質要求事項/133_5.3_図4−システム及びソフトウェア要求事項の階層.pptx
+++ b/20231210_ISO25030 品質要求事項/133_5.3_図4−システム及びソフトウェア要求事項の階層.pptx
@@ -259,7 +259,7 @@
           <a:p>
             <a:fld id="{8DBD3884-F846-4051-A28E-C77CAB0866EA}" type="datetimeFigureOut">
               <a:rPr kumimoji="1" lang="ja-JP" altLang="en-US" smtClean="0"/>
-              <a:t>2023/12/10</a:t>
+              <a:t>2023/12/11</a:t>
             </a:fld>
             <a:endParaRPr kumimoji="1" lang="ja-JP" altLang="en-US"/>
           </a:p>
@@ -489,7 +489,7 @@
           <a:p>
             <a:fld id="{8DBD3884-F846-4051-A28E-C77CAB0866EA}" type="datetimeFigureOut">
               <a:rPr kumimoji="1" lang="ja-JP" altLang="en-US" smtClean="0"/>
-              <a:t>2023/12/10</a:t>
+              <a:t>2023/12/11</a:t>
             </a:fld>
             <a:endParaRPr kumimoji="1" lang="ja-JP" altLang="en-US"/>
           </a:p>
@@ -729,7 +729,7 @@
           <a:p>
             <a:fld id="{8DBD3884-F846-4051-A28E-C77CAB0866EA}" type="datetimeFigureOut">
               <a:rPr kumimoji="1" lang="ja-JP" altLang="en-US" smtClean="0"/>
-              <a:t>2023/12/10</a:t>
+              <a:t>2023/12/11</a:t>
             </a:fld>
             <a:endParaRPr kumimoji="1" lang="ja-JP" altLang="en-US"/>
           </a:p>
@@ -959,7 +959,7 @@
           <a:p>
             <a:fld id="{8DBD3884-F846-4051-A28E-C77CAB0866EA}" type="datetimeFigureOut">
               <a:rPr kumimoji="1" lang="ja-JP" altLang="en-US" smtClean="0"/>
-              <a:t>2023/12/10</a:t>
+              <a:t>2023/12/11</a:t>
             </a:fld>
             <a:endParaRPr kumimoji="1" lang="ja-JP" altLang="en-US"/>
           </a:p>
@@ -1234,7 +1234,7 @@
           <a:p>
             <a:fld id="{8DBD3884-F846-4051-A28E-C77CAB0866EA}" type="datetimeFigureOut">
               <a:rPr kumimoji="1" lang="ja-JP" altLang="en-US" smtClean="0"/>
-              <a:t>2023/12/10</a:t>
+              <a:t>2023/12/11</a:t>
             </a:fld>
             <a:endParaRPr kumimoji="1" lang="ja-JP" altLang="en-US"/>
           </a:p>
@@ -1563,7 +1563,7 @@
           <a:p>
             <a:fld id="{8DBD3884-F846-4051-A28E-C77CAB0866EA}" type="datetimeFigureOut">
               <a:rPr kumimoji="1" lang="ja-JP" altLang="en-US" smtClean="0"/>
-              <a:t>2023/12/10</a:t>
+              <a:t>2023/12/11</a:t>
             </a:fld>
             <a:endParaRPr kumimoji="1" lang="ja-JP" altLang="en-US"/>
           </a:p>
@@ -2039,7 +2039,7 @@
           <a:p>
             <a:fld id="{8DBD3884-F846-4051-A28E-C77CAB0866EA}" type="datetimeFigureOut">
               <a:rPr kumimoji="1" lang="ja-JP" altLang="en-US" smtClean="0"/>
-              <a:t>2023/12/10</a:t>
+              <a:t>2023/12/11</a:t>
             </a:fld>
             <a:endParaRPr kumimoji="1" lang="ja-JP" altLang="en-US"/>
           </a:p>
@@ -2180,7 +2180,7 @@
           <a:p>
             <a:fld id="{8DBD3884-F846-4051-A28E-C77CAB0866EA}" type="datetimeFigureOut">
               <a:rPr kumimoji="1" lang="ja-JP" altLang="en-US" smtClean="0"/>
-              <a:t>2023/12/10</a:t>
+              <a:t>2023/12/11</a:t>
             </a:fld>
             <a:endParaRPr kumimoji="1" lang="ja-JP" altLang="en-US"/>
           </a:p>
@@ -2293,7 +2293,7 @@
           <a:p>
             <a:fld id="{8DBD3884-F846-4051-A28E-C77CAB0866EA}" type="datetimeFigureOut">
               <a:rPr kumimoji="1" lang="ja-JP" altLang="en-US" smtClean="0"/>
-              <a:t>2023/12/10</a:t>
+              <a:t>2023/12/11</a:t>
             </a:fld>
             <a:endParaRPr kumimoji="1" lang="ja-JP" altLang="en-US"/>
           </a:p>
@@ -2636,7 +2636,7 @@
           <a:p>
             <a:fld id="{8DBD3884-F846-4051-A28E-C77CAB0866EA}" type="datetimeFigureOut">
               <a:rPr kumimoji="1" lang="ja-JP" altLang="en-US" smtClean="0"/>
-              <a:t>2023/12/10</a:t>
+              <a:t>2023/12/11</a:t>
             </a:fld>
             <a:endParaRPr kumimoji="1" lang="ja-JP" altLang="en-US"/>
           </a:p>
@@ -2924,7 +2924,7 @@
           <a:p>
             <a:fld id="{8DBD3884-F846-4051-A28E-C77CAB0866EA}" type="datetimeFigureOut">
               <a:rPr kumimoji="1" lang="ja-JP" altLang="en-US" smtClean="0"/>
-              <a:t>2023/12/10</a:t>
+              <a:t>2023/12/11</a:t>
             </a:fld>
             <a:endParaRPr kumimoji="1" lang="ja-JP" altLang="en-US"/>
           </a:p>
@@ -3197,7 +3197,7 @@
           <a:p>
             <a:fld id="{8DBD3884-F846-4051-A28E-C77CAB0866EA}" type="datetimeFigureOut">
               <a:rPr kumimoji="1" lang="ja-JP" altLang="en-US" smtClean="0"/>
-              <a:t>2023/12/10</a:t>
+              <a:t>2023/12/11</a:t>
             </a:fld>
             <a:endParaRPr kumimoji="1" lang="ja-JP" altLang="en-US"/>
           </a:p>
@@ -3628,7 +3628,7 @@
         </p:nvSpPr>
         <p:spPr>
           <a:xfrm>
-            <a:off x="3479575" y="227761"/>
+            <a:off x="3470050" y="227761"/>
             <a:ext cx="1224000" cy="504000"/>
           </a:xfrm>
           <a:prstGeom prst="rect">
@@ -3637,7 +3637,7 @@
           <a:solidFill>
             <a:schemeClr val="bg1"/>
           </a:solidFill>
-          <a:ln>
+          <a:ln w="38100">
             <a:solidFill>
               <a:schemeClr val="tx2"/>
             </a:solidFill>
@@ -3665,7 +3665,7 @@
           <a:p>
             <a:pPr algn="ctr"/>
             <a:r>
-              <a:rPr lang="ja-JP" altLang="en-US" sz="1000">
+              <a:rPr lang="ja-JP" altLang="en-US" sz="1000" b="1">
                 <a:solidFill>
                   <a:schemeClr val="tx2"/>
                 </a:solidFill>
@@ -3674,7 +3674,7 @@
               </a:rPr>
               <a:t>システム</a:t>
             </a:r>
-            <a:endParaRPr lang="en-US" altLang="ja-JP" sz="1000">
+            <a:endParaRPr lang="en-US" altLang="ja-JP" sz="1000" b="1">
               <a:solidFill>
                 <a:schemeClr val="tx2"/>
               </a:solidFill>
@@ -3685,7 +3685,7 @@
           <a:p>
             <a:pPr algn="ctr"/>
             <a:r>
-              <a:rPr lang="ja-JP" altLang="en-US" sz="1000">
+              <a:rPr lang="ja-JP" altLang="en-US" sz="1000" b="1">
                 <a:solidFill>
                   <a:schemeClr val="tx2"/>
                 </a:solidFill>
@@ -3720,7 +3720,7 @@
           <a:solidFill>
             <a:schemeClr val="bg1"/>
           </a:solidFill>
-          <a:ln>
+          <a:ln w="38100">
             <a:solidFill>
               <a:schemeClr val="tx2"/>
             </a:solidFill>
@@ -3748,7 +3748,7 @@
           <a:p>
             <a:pPr algn="ctr"/>
             <a:r>
-              <a:rPr lang="ja-JP" altLang="en-US" sz="1000">
+              <a:rPr lang="ja-JP" altLang="en-US" sz="1000" b="1">
                 <a:solidFill>
                   <a:schemeClr val="tx2"/>
                 </a:solidFill>
@@ -3757,7 +3757,7 @@
               </a:rPr>
               <a:t>情報システムへの</a:t>
             </a:r>
-            <a:endParaRPr lang="en-US" altLang="ja-JP" sz="1000">
+            <a:endParaRPr lang="en-US" altLang="ja-JP" sz="1000" b="1">
               <a:solidFill>
                 <a:schemeClr val="tx2"/>
               </a:solidFill>
@@ -3768,7 +3768,7 @@
           <a:p>
             <a:pPr algn="ctr"/>
             <a:r>
-              <a:rPr lang="ja-JP" altLang="en-US" sz="1000">
+              <a:rPr lang="ja-JP" altLang="en-US" sz="1000" b="1">
                 <a:solidFill>
                   <a:schemeClr val="tx2"/>
                 </a:solidFill>
@@ -3777,7 +3777,7 @@
               </a:rPr>
               <a:t>要求事項</a:t>
             </a:r>
-            <a:endParaRPr lang="en-US" altLang="ja-JP" sz="1000">
+            <a:endParaRPr lang="en-US" altLang="ja-JP" sz="1000" b="1">
               <a:solidFill>
                 <a:schemeClr val="tx2"/>
               </a:solidFill>
@@ -3804,21 +3804,21 @@
           <p:nvPr/>
         </p:nvCxnSpPr>
         <p:spPr>
-          <a:xfrm rot="5400000">
-            <a:off x="3926962" y="896374"/>
-            <a:ext cx="329227" cy="12700"/>
+          <a:xfrm rot="16200000" flipH="1">
+            <a:off x="3922199" y="891611"/>
+            <a:ext cx="329227" cy="9525"/>
           </a:xfrm>
           <a:prstGeom prst="bentConnector3">
             <a:avLst>
               <a:gd name="adj1" fmla="val 50000"/>
             </a:avLst>
           </a:prstGeom>
-          <a:ln>
+          <a:ln w="38100">
             <a:solidFill>
               <a:schemeClr val="tx2"/>
             </a:solidFill>
             <a:headEnd type="none" w="med" len="med"/>
-            <a:tailEnd type="none" w="med" len="med"/>
+            <a:tailEnd type="triangle" w="med" len="med"/>
           </a:ln>
         </p:spPr>
         <p:style>
@@ -3850,7 +3850,7 @@
         </p:nvSpPr>
         <p:spPr>
           <a:xfrm>
-            <a:off x="1973992" y="1067338"/>
+            <a:off x="1935892" y="1067338"/>
             <a:ext cx="1440000" cy="504000"/>
           </a:xfrm>
           <a:prstGeom prst="rect">
@@ -3940,7 +3940,7 @@
         </p:nvSpPr>
         <p:spPr>
           <a:xfrm>
-            <a:off x="4797501" y="1060988"/>
+            <a:off x="4807026" y="1060988"/>
             <a:ext cx="1440000" cy="504000"/>
           </a:xfrm>
           <a:prstGeom prst="rect">
@@ -4030,7 +4030,7 @@
         </p:nvSpPr>
         <p:spPr>
           <a:xfrm>
-            <a:off x="3489100" y="1796343"/>
+            <a:off x="3489100" y="1863018"/>
             <a:ext cx="1224000" cy="504000"/>
           </a:xfrm>
           <a:prstGeom prst="rect">
@@ -4039,7 +4039,7 @@
           <a:solidFill>
             <a:schemeClr val="bg1"/>
           </a:solidFill>
-          <a:ln>
+          <a:ln w="38100">
             <a:solidFill>
               <a:schemeClr val="tx2"/>
             </a:solidFill>
@@ -4067,7 +4067,7 @@
           <a:p>
             <a:pPr algn="ctr"/>
             <a:r>
-              <a:rPr lang="ja-JP" altLang="en-US" sz="1000">
+              <a:rPr lang="ja-JP" altLang="en-US" sz="1000" b="1">
                 <a:solidFill>
                   <a:schemeClr val="tx2"/>
                 </a:solidFill>
@@ -4076,7 +4076,7 @@
               </a:rPr>
               <a:t>サブシステム２</a:t>
             </a:r>
-            <a:endParaRPr lang="en-US" altLang="ja-JP" sz="1000">
+            <a:endParaRPr lang="en-US" altLang="ja-JP" sz="1000" b="1">
               <a:solidFill>
                 <a:schemeClr val="tx2"/>
               </a:solidFill>
@@ -4087,7 +4087,7 @@
           <a:p>
             <a:pPr algn="ctr"/>
             <a:r>
-              <a:rPr lang="ja-JP" altLang="en-US" sz="1000">
+              <a:rPr lang="ja-JP" altLang="en-US" sz="1000" b="1">
                 <a:solidFill>
                   <a:schemeClr val="tx2"/>
                 </a:solidFill>
@@ -4096,7 +4096,7 @@
               </a:rPr>
               <a:t>への要求事項</a:t>
             </a:r>
-            <a:endParaRPr lang="en-US" altLang="ja-JP" sz="1000">
+            <a:endParaRPr lang="en-US" altLang="ja-JP" sz="1000" b="1">
               <a:solidFill>
                 <a:schemeClr val="tx2"/>
               </a:solidFill>
@@ -4120,7 +4120,7 @@
         </p:nvSpPr>
         <p:spPr>
           <a:xfrm>
-            <a:off x="4797501" y="1796342"/>
+            <a:off x="4807026" y="1863017"/>
             <a:ext cx="1440000" cy="504000"/>
           </a:xfrm>
           <a:prstGeom prst="rect">
@@ -4210,7 +4210,7 @@
         </p:nvSpPr>
         <p:spPr>
           <a:xfrm>
-            <a:off x="1973992" y="1796343"/>
+            <a:off x="1935892" y="1863018"/>
             <a:ext cx="1440000" cy="504000"/>
           </a:xfrm>
           <a:prstGeom prst="rect">
@@ -4304,8 +4304,8 @@
         </p:nvCxnSpPr>
         <p:spPr>
           <a:xfrm rot="5400000">
-            <a:off x="3224996" y="200758"/>
-            <a:ext cx="335577" cy="1397583"/>
+            <a:off x="3201183" y="186470"/>
+            <a:ext cx="335577" cy="1426158"/>
           </a:xfrm>
           <a:prstGeom prst="bentConnector3">
             <a:avLst>
@@ -4353,8 +4353,8 @@
         </p:nvCxnSpPr>
         <p:spPr>
           <a:xfrm rot="16200000" flipH="1">
-            <a:off x="4639925" y="183411"/>
-            <a:ext cx="329227" cy="1425926"/>
+            <a:off x="4639925" y="173886"/>
+            <a:ext cx="329227" cy="1444976"/>
           </a:xfrm>
           <a:prstGeom prst="bentConnector3">
             <a:avLst>
@@ -4402,8 +4402,8 @@
         </p:nvCxnSpPr>
         <p:spPr>
           <a:xfrm rot="16200000" flipH="1">
-            <a:off x="4688861" y="967702"/>
-            <a:ext cx="231354" cy="1425926"/>
+            <a:off x="4660286" y="996276"/>
+            <a:ext cx="298029" cy="1435451"/>
           </a:xfrm>
           <a:prstGeom prst="bentConnector3">
             <a:avLst>
@@ -4452,8 +4452,58 @@
         </p:nvCxnSpPr>
         <p:spPr>
           <a:xfrm rot="16200000" flipH="1">
-            <a:off x="3980660" y="1675902"/>
-            <a:ext cx="231355" cy="9525"/>
+            <a:off x="3947322" y="1709240"/>
+            <a:ext cx="298030" cy="9525"/>
+          </a:xfrm>
+          <a:prstGeom prst="bentConnector3">
+            <a:avLst>
+              <a:gd name="adj1" fmla="val 50000"/>
+            </a:avLst>
+          </a:prstGeom>
+          <a:ln w="38100">
+            <a:solidFill>
+              <a:schemeClr val="tx2"/>
+            </a:solidFill>
+            <a:prstDash val="solid"/>
+            <a:headEnd type="none" w="med" len="med"/>
+            <a:tailEnd type="triangle" w="med" len="med"/>
+          </a:ln>
+        </p:spPr>
+        <p:style>
+          <a:lnRef idx="2">
+            <a:schemeClr val="accent1"/>
+          </a:lnRef>
+          <a:fillRef idx="0">
+            <a:schemeClr val="accent1"/>
+          </a:fillRef>
+          <a:effectRef idx="1">
+            <a:schemeClr val="accent1"/>
+          </a:effectRef>
+          <a:fontRef idx="minor">
+            <a:schemeClr val="tx1"/>
+          </a:fontRef>
+        </p:style>
+      </p:cxnSp>
+      <p:cxnSp>
+        <p:nvCxnSpPr>
+          <p:cNvPr id="31" name="直線矢印コネクタ 9">
+            <a:extLst>
+              <a:ext uri="{FF2B5EF4-FFF2-40B4-BE49-F238E27FC236}">
+                <a16:creationId xmlns:a16="http://schemas.microsoft.com/office/drawing/2014/main" id="{0371357E-CB82-B3ED-37EA-9A9215A0EBC2}"/>
+              </a:ext>
+            </a:extLst>
+          </p:cNvPr>
+          <p:cNvCxnSpPr>
+            <a:cxnSpLocks/>
+            <a:stCxn id="6" idx="2"/>
+            <a:endCxn id="16" idx="0"/>
+          </p:cNvCxnSpPr>
+          <p:nvPr/>
+        </p:nvCxnSpPr>
+        <p:spPr>
+          <a:xfrm rot="5400000">
+            <a:off x="3224719" y="996162"/>
+            <a:ext cx="298030" cy="1435683"/>
           </a:xfrm>
           <a:prstGeom prst="bentConnector3">
             <a:avLst>
@@ -4484,56 +4534,6 @@
           </a:fontRef>
         </p:style>
       </p:cxnSp>
-      <p:cxnSp>
-        <p:nvCxnSpPr>
-          <p:cNvPr id="31" name="直線矢印コネクタ 9">
-            <a:extLst>
-              <a:ext uri="{FF2B5EF4-FFF2-40B4-BE49-F238E27FC236}">
-                <a16:creationId xmlns:a16="http://schemas.microsoft.com/office/drawing/2014/main" id="{0371357E-CB82-B3ED-37EA-9A9215A0EBC2}"/>
-              </a:ext>
-            </a:extLst>
-          </p:cNvPr>
-          <p:cNvCxnSpPr>
-            <a:cxnSpLocks/>
-            <a:stCxn id="6" idx="2"/>
-            <a:endCxn id="16" idx="0"/>
-          </p:cNvCxnSpPr>
-          <p:nvPr/>
-        </p:nvCxnSpPr>
-        <p:spPr>
-          <a:xfrm rot="5400000">
-            <a:off x="3277107" y="981874"/>
-            <a:ext cx="231355" cy="1397583"/>
-          </a:xfrm>
-          <a:prstGeom prst="bentConnector3">
-            <a:avLst>
-              <a:gd name="adj1" fmla="val 50000"/>
-            </a:avLst>
-          </a:prstGeom>
-          <a:ln>
-            <a:solidFill>
-              <a:schemeClr val="tx2"/>
-            </a:solidFill>
-            <a:prstDash val="solid"/>
-            <a:headEnd type="none" w="med" len="med"/>
-            <a:tailEnd type="none" w="med" len="med"/>
-          </a:ln>
-        </p:spPr>
-        <p:style>
-          <a:lnRef idx="2">
-            <a:schemeClr val="accent1"/>
-          </a:lnRef>
-          <a:fillRef idx="0">
-            <a:schemeClr val="accent1"/>
-          </a:fillRef>
-          <a:effectRef idx="1">
-            <a:schemeClr val="accent1"/>
-          </a:effectRef>
-          <a:fontRef idx="minor">
-            <a:schemeClr val="tx1"/>
-          </a:fontRef>
-        </p:style>
-      </p:cxnSp>
       <p:sp>
         <p:nvSpPr>
           <p:cNvPr id="41" name="正方形/長方形 40">
@@ -4548,7 +4548,7 @@
         </p:nvSpPr>
         <p:spPr>
           <a:xfrm>
-            <a:off x="3136442" y="2586918"/>
+            <a:off x="3107867" y="2701218"/>
             <a:ext cx="1116000" cy="612000"/>
           </a:xfrm>
           <a:prstGeom prst="rect">
@@ -4658,7 +4658,117 @@
         </p:nvSpPr>
         <p:spPr>
           <a:xfrm>
-            <a:off x="4298060" y="2586917"/>
+            <a:off x="4298060" y="2701217"/>
+            <a:ext cx="1116000" cy="612000"/>
+          </a:xfrm>
+          <a:prstGeom prst="rect">
+            <a:avLst/>
+          </a:prstGeom>
+          <a:solidFill>
+            <a:schemeClr val="bg1"/>
+          </a:solidFill>
+          <a:ln w="38100">
+            <a:solidFill>
+              <a:schemeClr val="tx2"/>
+            </a:solidFill>
+          </a:ln>
+        </p:spPr>
+        <p:style>
+          <a:lnRef idx="2">
+            <a:schemeClr val="accent1">
+              <a:shade val="15000"/>
+            </a:schemeClr>
+          </a:lnRef>
+          <a:fillRef idx="1">
+            <a:schemeClr val="accent1"/>
+          </a:fillRef>
+          <a:effectRef idx="0">
+            <a:schemeClr val="accent1"/>
+          </a:effectRef>
+          <a:fontRef idx="minor">
+            <a:schemeClr val="lt1"/>
+          </a:fontRef>
+        </p:style>
+        <p:txBody>
+          <a:bodyPr rtlCol="0" anchor="ctr"/>
+          <a:lstStyle/>
+          <a:p>
+            <a:pPr algn="ctr"/>
+            <a:r>
+              <a:rPr lang="ja-JP" altLang="en-US" sz="1000" b="1">
+                <a:solidFill>
+                  <a:schemeClr val="tx2"/>
+                </a:solidFill>
+                <a:latin typeface="Meiryo UI" panose="020B0604030504040204" pitchFamily="50" charset="-128"/>
+                <a:ea typeface="Meiryo UI" panose="020B0604030504040204" pitchFamily="50" charset="-128"/>
+              </a:rPr>
+              <a:t>アプリケーション</a:t>
+            </a:r>
+            <a:endParaRPr lang="en-US" altLang="ja-JP" sz="1000" b="1">
+              <a:solidFill>
+                <a:schemeClr val="tx2"/>
+              </a:solidFill>
+              <a:latin typeface="Meiryo UI" panose="020B0604030504040204" pitchFamily="50" charset="-128"/>
+              <a:ea typeface="Meiryo UI" panose="020B0604030504040204" pitchFamily="50" charset="-128"/>
+            </a:endParaRPr>
+          </a:p>
+          <a:p>
+            <a:pPr algn="ctr"/>
+            <a:r>
+              <a:rPr lang="ja-JP" altLang="en-US" sz="1000" b="1">
+                <a:solidFill>
+                  <a:schemeClr val="tx2"/>
+                </a:solidFill>
+                <a:latin typeface="Meiryo UI" panose="020B0604030504040204" pitchFamily="50" charset="-128"/>
+                <a:ea typeface="Meiryo UI" panose="020B0604030504040204" pitchFamily="50" charset="-128"/>
+              </a:rPr>
+              <a:t>ソフトウェアへの</a:t>
+            </a:r>
+            <a:endParaRPr lang="en-US" altLang="ja-JP" sz="1000" b="1">
+              <a:solidFill>
+                <a:schemeClr val="tx2"/>
+              </a:solidFill>
+              <a:latin typeface="Meiryo UI" panose="020B0604030504040204" pitchFamily="50" charset="-128"/>
+              <a:ea typeface="Meiryo UI" panose="020B0604030504040204" pitchFamily="50" charset="-128"/>
+            </a:endParaRPr>
+          </a:p>
+          <a:p>
+            <a:pPr algn="ctr"/>
+            <a:r>
+              <a:rPr lang="ja-JP" altLang="en-US" sz="1000" b="1">
+                <a:solidFill>
+                  <a:schemeClr val="tx2"/>
+                </a:solidFill>
+                <a:latin typeface="Meiryo UI" panose="020B0604030504040204" pitchFamily="50" charset="-128"/>
+                <a:ea typeface="Meiryo UI" panose="020B0604030504040204" pitchFamily="50" charset="-128"/>
+              </a:rPr>
+              <a:t>要求事項</a:t>
+            </a:r>
+            <a:endParaRPr lang="en-US" altLang="ja-JP" sz="1000" b="1">
+              <a:solidFill>
+                <a:schemeClr val="tx2"/>
+              </a:solidFill>
+              <a:latin typeface="Meiryo UI" panose="020B0604030504040204" pitchFamily="50" charset="-128"/>
+              <a:ea typeface="Meiryo UI" panose="020B0604030504040204" pitchFamily="50" charset="-128"/>
+            </a:endParaRPr>
+          </a:p>
+        </p:txBody>
+      </p:sp>
+      <p:sp>
+        <p:nvSpPr>
+          <p:cNvPr id="43" name="正方形/長方形 42">
+            <a:extLst>
+              <a:ext uri="{FF2B5EF4-FFF2-40B4-BE49-F238E27FC236}">
+                <a16:creationId xmlns:a16="http://schemas.microsoft.com/office/drawing/2014/main" id="{4E6AF8CA-D230-4205-85DB-E576B850A360}"/>
+              </a:ext>
+            </a:extLst>
+          </p:cNvPr>
+          <p:cNvSpPr/>
+          <p:nvPr/>
+        </p:nvSpPr>
+        <p:spPr>
+          <a:xfrm>
+            <a:off x="1911190" y="2701218"/>
             <a:ext cx="1116000" cy="612000"/>
           </a:xfrm>
           <a:prstGeom prst="rect">
@@ -4702,7 +4812,7 @@
                 <a:latin typeface="Meiryo UI" panose="020B0604030504040204" pitchFamily="50" charset="-128"/>
                 <a:ea typeface="Meiryo UI" panose="020B0604030504040204" pitchFamily="50" charset="-128"/>
               </a:rPr>
-              <a:t>アプリケーション</a:t>
+              <a:t>コンピュータ</a:t>
             </a:r>
             <a:endParaRPr lang="en-US" altLang="ja-JP" sz="1000">
               <a:solidFill>
@@ -4722,7 +4832,7 @@
                 <a:latin typeface="Meiryo UI" panose="020B0604030504040204" pitchFamily="50" charset="-128"/>
                 <a:ea typeface="Meiryo UI" panose="020B0604030504040204" pitchFamily="50" charset="-128"/>
               </a:rPr>
-              <a:t>ソフトウェアへの</a:t>
+              <a:t>ハードウェアへの</a:t>
             </a:r>
             <a:endParaRPr lang="en-US" altLang="ja-JP" sz="1000">
               <a:solidFill>
@@ -4756,10 +4866,10 @@
       </p:sp>
       <p:sp>
         <p:nvSpPr>
-          <p:cNvPr id="43" name="正方形/長方形 42">
-            <a:extLst>
-              <a:ext uri="{FF2B5EF4-FFF2-40B4-BE49-F238E27FC236}">
-                <a16:creationId xmlns:a16="http://schemas.microsoft.com/office/drawing/2014/main" id="{4E6AF8CA-D230-4205-85DB-E576B850A360}"/>
+          <p:cNvPr id="44" name="正方形/長方形 43">
+            <a:extLst>
+              <a:ext uri="{FF2B5EF4-FFF2-40B4-BE49-F238E27FC236}">
+                <a16:creationId xmlns:a16="http://schemas.microsoft.com/office/drawing/2014/main" id="{D86D6BCA-07AC-B508-D996-89BD53C8F13D}"/>
               </a:ext>
             </a:extLst>
           </p:cNvPr>
@@ -4768,117 +4878,7 @@
         </p:nvSpPr>
         <p:spPr>
           <a:xfrm>
-            <a:off x="1958815" y="2586918"/>
-            <a:ext cx="1116000" cy="612000"/>
-          </a:xfrm>
-          <a:prstGeom prst="rect">
-            <a:avLst/>
-          </a:prstGeom>
-          <a:solidFill>
-            <a:schemeClr val="bg1"/>
-          </a:solidFill>
-          <a:ln>
-            <a:solidFill>
-              <a:schemeClr val="tx2"/>
-            </a:solidFill>
-          </a:ln>
-        </p:spPr>
-        <p:style>
-          <a:lnRef idx="2">
-            <a:schemeClr val="accent1">
-              <a:shade val="15000"/>
-            </a:schemeClr>
-          </a:lnRef>
-          <a:fillRef idx="1">
-            <a:schemeClr val="accent1"/>
-          </a:fillRef>
-          <a:effectRef idx="0">
-            <a:schemeClr val="accent1"/>
-          </a:effectRef>
-          <a:fontRef idx="minor">
-            <a:schemeClr val="lt1"/>
-          </a:fontRef>
-        </p:style>
-        <p:txBody>
-          <a:bodyPr rtlCol="0" anchor="ctr"/>
-          <a:lstStyle/>
-          <a:p>
-            <a:pPr algn="ctr"/>
-            <a:r>
-              <a:rPr lang="ja-JP" altLang="en-US" sz="1000">
-                <a:solidFill>
-                  <a:schemeClr val="tx2"/>
-                </a:solidFill>
-                <a:latin typeface="Meiryo UI" panose="020B0604030504040204" pitchFamily="50" charset="-128"/>
-                <a:ea typeface="Meiryo UI" panose="020B0604030504040204" pitchFamily="50" charset="-128"/>
-              </a:rPr>
-              <a:t>コンピュータ</a:t>
-            </a:r>
-            <a:endParaRPr lang="en-US" altLang="ja-JP" sz="1000">
-              <a:solidFill>
-                <a:schemeClr val="tx2"/>
-              </a:solidFill>
-              <a:latin typeface="Meiryo UI" panose="020B0604030504040204" pitchFamily="50" charset="-128"/>
-              <a:ea typeface="Meiryo UI" panose="020B0604030504040204" pitchFamily="50" charset="-128"/>
-            </a:endParaRPr>
-          </a:p>
-          <a:p>
-            <a:pPr algn="ctr"/>
-            <a:r>
-              <a:rPr lang="ja-JP" altLang="en-US" sz="1000">
-                <a:solidFill>
-                  <a:schemeClr val="tx2"/>
-                </a:solidFill>
-                <a:latin typeface="Meiryo UI" panose="020B0604030504040204" pitchFamily="50" charset="-128"/>
-                <a:ea typeface="Meiryo UI" panose="020B0604030504040204" pitchFamily="50" charset="-128"/>
-              </a:rPr>
-              <a:t>ハードウェアへの</a:t>
-            </a:r>
-            <a:endParaRPr lang="en-US" altLang="ja-JP" sz="1000">
-              <a:solidFill>
-                <a:schemeClr val="tx2"/>
-              </a:solidFill>
-              <a:latin typeface="Meiryo UI" panose="020B0604030504040204" pitchFamily="50" charset="-128"/>
-              <a:ea typeface="Meiryo UI" panose="020B0604030504040204" pitchFamily="50" charset="-128"/>
-            </a:endParaRPr>
-          </a:p>
-          <a:p>
-            <a:pPr algn="ctr"/>
-            <a:r>
-              <a:rPr lang="ja-JP" altLang="en-US" sz="1000">
-                <a:solidFill>
-                  <a:schemeClr val="tx2"/>
-                </a:solidFill>
-                <a:latin typeface="Meiryo UI" panose="020B0604030504040204" pitchFamily="50" charset="-128"/>
-                <a:ea typeface="Meiryo UI" panose="020B0604030504040204" pitchFamily="50" charset="-128"/>
-              </a:rPr>
-              <a:t>要求事項</a:t>
-            </a:r>
-            <a:endParaRPr lang="en-US" altLang="ja-JP" sz="1000">
-              <a:solidFill>
-                <a:schemeClr val="tx2"/>
-              </a:solidFill>
-              <a:latin typeface="Meiryo UI" panose="020B0604030504040204" pitchFamily="50" charset="-128"/>
-              <a:ea typeface="Meiryo UI" panose="020B0604030504040204" pitchFamily="50" charset="-128"/>
-            </a:endParaRPr>
-          </a:p>
-        </p:txBody>
-      </p:sp>
-      <p:sp>
-        <p:nvSpPr>
-          <p:cNvPr id="44" name="正方形/長方形 43">
-            <a:extLst>
-              <a:ext uri="{FF2B5EF4-FFF2-40B4-BE49-F238E27FC236}">
-                <a16:creationId xmlns:a16="http://schemas.microsoft.com/office/drawing/2014/main" id="{D86D6BCA-07AC-B508-D996-89BD53C8F13D}"/>
-              </a:ext>
-            </a:extLst>
-          </p:cNvPr>
-          <p:cNvSpPr/>
-          <p:nvPr/>
-        </p:nvSpPr>
-        <p:spPr>
-          <a:xfrm>
-            <a:off x="5446985" y="2586917"/>
+            <a:off x="5475560" y="2701217"/>
             <a:ext cx="828000" cy="612000"/>
           </a:xfrm>
           <a:prstGeom prst="rect">
@@ -4972,8 +4972,8 @@
         </p:nvCxnSpPr>
         <p:spPr>
           <a:xfrm rot="16200000" flipH="1">
-            <a:off x="4837755" y="1563687"/>
-            <a:ext cx="286574" cy="1759885"/>
+            <a:off x="4828231" y="1639887"/>
+            <a:ext cx="334199" cy="1788460"/>
           </a:xfrm>
           <a:prstGeom prst="bentConnector3">
             <a:avLst>
@@ -5022,21 +5022,21 @@
         </p:nvCxnSpPr>
         <p:spPr>
           <a:xfrm rot="16200000" flipH="1">
-            <a:off x="4335293" y="2066150"/>
-            <a:ext cx="286574" cy="754960"/>
+            <a:off x="4311481" y="2156637"/>
+            <a:ext cx="334199" cy="754960"/>
           </a:xfrm>
           <a:prstGeom prst="bentConnector3">
             <a:avLst>
               <a:gd name="adj1" fmla="val 50000"/>
             </a:avLst>
           </a:prstGeom>
-          <a:ln>
+          <a:ln w="38100">
             <a:solidFill>
               <a:schemeClr val="tx2"/>
             </a:solidFill>
             <a:prstDash val="solid"/>
             <a:headEnd type="none" w="med" len="med"/>
-            <a:tailEnd type="none" w="med" len="med"/>
+            <a:tailEnd type="triangle" w="med" len="med"/>
           </a:ln>
         </p:spPr>
         <p:style>
@@ -5072,8 +5072,8 @@
         </p:nvCxnSpPr>
         <p:spPr>
           <a:xfrm rot="5400000">
-            <a:off x="3754484" y="2240301"/>
-            <a:ext cx="286575" cy="406658"/>
+            <a:off x="3716384" y="2316502"/>
+            <a:ext cx="334200" cy="435233"/>
           </a:xfrm>
           <a:prstGeom prst="bentConnector3">
             <a:avLst>
@@ -5122,8 +5122,8 @@
         </p:nvCxnSpPr>
         <p:spPr>
           <a:xfrm rot="5400000">
-            <a:off x="3165671" y="1651488"/>
-            <a:ext cx="286575" cy="1584285"/>
+            <a:off x="3118045" y="1718163"/>
+            <a:ext cx="334200" cy="1631910"/>
           </a:xfrm>
           <a:prstGeom prst="bentConnector3">
             <a:avLst>
@@ -5168,7 +5168,7 @@
         </p:nvSpPr>
         <p:spPr>
           <a:xfrm>
-            <a:off x="1279967" y="3539156"/>
+            <a:off x="1279967" y="3586781"/>
             <a:ext cx="5702202" cy="246221"/>
           </a:xfrm>
           <a:prstGeom prst="rect">
